--- a/Lesson19/lecture-jsp.pptx
+++ b/Lesson19/lecture-jsp.pptx
@@ -188,7 +188,7 @@
   <p:extLst>
     <p:ext uri="{521415D9-36F7-43E2-AB2F-B90AF26B5E84}">
       <p14:sectionLst xmlns:p14="http://schemas.microsoft.com/office/powerpoint/2010/main">
-        <p14:section name="Раздел по умолчанию" id="{F2228E46-AF13-4DF2-A52D-A45F59E5DAAE}">
+        <p14:section name="JSP" id="{F2228E46-AF13-4DF2-A52D-A45F59E5DAAE}">
           <p14:sldIdLst>
             <p14:sldId id="279"/>
             <p14:sldId id="282"/>
@@ -591,7 +591,7 @@
         <p:nvSpPr>
           <p:cNvPr id="3076" name="Rectangle 4"/>
           <p:cNvSpPr>
-            <a:spLocks noRot="1" noChangeArrowheads="1" noTextEdit="1"/>
+            <a:spLocks noGrp="1" noRot="1" noChangeAspect="1" noChangeArrowheads="1" noTextEdit="1"/>
           </p:cNvSpPr>
           <p:nvPr>
             <p:ph type="sldImg" idx="2"/>
@@ -5338,7 +5338,7 @@
         <p:nvSpPr>
           <p:cNvPr id="5123" name="Rectangle 3"/>
           <p:cNvSpPr>
-            <a:spLocks noChangeArrowheads="1"/>
+            <a:spLocks noGrp="1" noChangeArrowheads="1"/>
           </p:cNvSpPr>
           <p:nvPr>
             <p:ph type="subTitle" idx="4294967295"/>

--- a/Lesson19/lecture-jsp.pptx
+++ b/Lesson19/lecture-jsp.pptx
@@ -9996,8 +9996,8 @@
         </p:nvSpPr>
         <p:spPr>
           <a:xfrm>
-            <a:off x="457200" y="1371600"/>
-            <a:ext cx="8305800" cy="4648200"/>
+            <a:off x="228600" y="1371600"/>
+            <a:ext cx="8915400" cy="4648200"/>
           </a:xfrm>
         </p:spPr>
         <p:txBody>
@@ -10010,8 +10010,24 @@
               </a:lnSpc>
             </a:pPr>
             <a:r>
-              <a:rPr lang="ru-RU" sz="2400" smtClean="0"/>
-              <a:t>Рассмотрим данный bean-компонент, объявленный в области действия request:</a:t>
+              <a:rPr lang="ru-RU" sz="2400" dirty="0" smtClean="0"/>
+              <a:t>Рассмотрим данный </a:t>
+            </a:r>
+            <a:r>
+              <a:rPr lang="ru-RU" sz="2400" dirty="0" err="1" smtClean="0"/>
+              <a:t>bean</a:t>
+            </a:r>
+            <a:r>
+              <a:rPr lang="ru-RU" sz="2400" dirty="0" smtClean="0"/>
+              <a:t>-компонент, объявленный в области действия </a:t>
+            </a:r>
+            <a:r>
+              <a:rPr lang="ru-RU" sz="2400" dirty="0" err="1" smtClean="0"/>
+              <a:t>request</a:t>
+            </a:r>
+            <a:r>
+              <a:rPr lang="ru-RU" sz="2400" dirty="0" smtClean="0"/>
+              <a:t>:</a:t>
             </a:r>
           </a:p>
           <a:p>
@@ -10021,7 +10037,7 @@
               </a:lnSpc>
             </a:pPr>
             <a:r>
-              <a:rPr lang="en-US" sz="2400" smtClean="0">
+              <a:rPr lang="en-US" sz="2400" dirty="0" smtClean="0">
                 <a:solidFill>
                   <a:srgbClr val="008000"/>
                 </a:solidFill>
@@ -10029,23 +10045,95 @@
               <a:t>&lt;</a:t>
             </a:r>
             <a:r>
-              <a:rPr lang="ru-RU" sz="2400" smtClean="0">
+              <a:rPr lang="ru-RU" sz="2400" dirty="0" err="1" smtClean="0">
                 <a:solidFill>
                   <a:srgbClr val="008000"/>
                 </a:solidFill>
               </a:rPr>
-              <a:t>jsp:useBean id="user" class="UserBean" </a:t>
-            </a:r>
-            <a:r>
-              <a:rPr lang="en-US" sz="2400" smtClean="0">
+              <a:t>jsp:useBean</a:t>
+            </a:r>
+            <a:r>
+              <a:rPr lang="ru-RU" sz="2400" dirty="0" smtClean="0">
                 <a:solidFill>
                   <a:srgbClr val="008000"/>
                 </a:solidFill>
               </a:rPr>
+              <a:t> </a:t>
+            </a:r>
+            <a:r>
+              <a:rPr lang="ru-RU" sz="2400" dirty="0" err="1" smtClean="0">
+                <a:solidFill>
+                  <a:srgbClr val="008000"/>
+                </a:solidFill>
+              </a:rPr>
+              <a:t>id</a:t>
+            </a:r>
+            <a:r>
+              <a:rPr lang="ru-RU" sz="2400" dirty="0" smtClean="0">
+                <a:solidFill>
+                  <a:srgbClr val="008000"/>
+                </a:solidFill>
+              </a:rPr>
+              <a:t>="</a:t>
+            </a:r>
+            <a:r>
+              <a:rPr lang="ru-RU" sz="2400" dirty="0" err="1" smtClean="0">
+                <a:solidFill>
+                  <a:srgbClr val="008000"/>
+                </a:solidFill>
+              </a:rPr>
+              <a:t>user</a:t>
+            </a:r>
+            <a:r>
+              <a:rPr lang="ru-RU" sz="2400" dirty="0" smtClean="0">
+                <a:solidFill>
+                  <a:srgbClr val="008000"/>
+                </a:solidFill>
+              </a:rPr>
+              <a:t>" </a:t>
+            </a:r>
+            <a:r>
+              <a:rPr lang="ru-RU" sz="2400" dirty="0" err="1" smtClean="0">
+                <a:solidFill>
+                  <a:srgbClr val="008000"/>
+                </a:solidFill>
+              </a:rPr>
+              <a:t>class</a:t>
+            </a:r>
+            <a:r>
+              <a:rPr lang="ru-RU" sz="2400" dirty="0" smtClean="0">
+                <a:solidFill>
+                  <a:srgbClr val="008000"/>
+                </a:solidFill>
+              </a:rPr>
+              <a:t>="</a:t>
+            </a:r>
+            <a:r>
+              <a:rPr lang="ru-RU" sz="2400" dirty="0" err="1" smtClean="0">
+                <a:solidFill>
+                  <a:srgbClr val="008000"/>
+                </a:solidFill>
+              </a:rPr>
+              <a:t>UserBean</a:t>
+            </a:r>
+            <a:r>
+              <a:rPr lang="ru-RU" sz="2400" dirty="0" smtClean="0">
+                <a:solidFill>
+                  <a:srgbClr val="008000"/>
+                </a:solidFill>
+              </a:rPr>
+              <a:t>" </a:t>
+            </a:r>
+            <a:r>
+              <a:rPr lang="en-US" sz="2400" dirty="0" smtClean="0">
+                <a:solidFill>
+                  <a:srgbClr val="008000"/>
+                </a:solidFill>
+              </a:rPr>
               <a:t>type=“</a:t>
             </a:r>
             <a:r>
-              <a:rPr lang="ru-RU" sz="2400" smtClean="0">
+              <a:rPr lang="ru-RU" sz="2400" dirty="0" err="1" smtClean="0">
                 <a:solidFill>
                   <a:srgbClr val="008000"/>
                 </a:solidFill>
@@ -10053,7 +10141,7 @@
               <a:t>PersonBean</a:t>
             </a:r>
             <a:r>
-              <a:rPr lang="en-US" sz="2400" smtClean="0">
+              <a:rPr lang="en-US" sz="2400" dirty="0" smtClean="0">
                 <a:solidFill>
                   <a:srgbClr val="008000"/>
                 </a:solidFill>
@@ -10061,18 +10149,42 @@
               <a:t>“ </a:t>
             </a:r>
             <a:r>
-              <a:rPr lang="ru-RU" sz="2400" smtClean="0">
+              <a:rPr lang="ru-RU" sz="2400" dirty="0" err="1" smtClean="0">
                 <a:solidFill>
                   <a:srgbClr val="008000"/>
                 </a:solidFill>
               </a:rPr>
-              <a:t>scope="request"/&gt;</a:t>
-            </a:r>
-            <a:r>
-              <a:rPr lang="ru-RU" sz="2400" smtClean="0"/>
+              <a:t>scope</a:t>
+            </a:r>
+            <a:r>
+              <a:rPr lang="ru-RU" sz="2400" dirty="0" smtClean="0">
+                <a:solidFill>
+                  <a:srgbClr val="008000"/>
+                </a:solidFill>
+              </a:rPr>
+              <a:t>="</a:t>
+            </a:r>
+            <a:r>
+              <a:rPr lang="ru-RU" sz="2400" dirty="0" err="1" smtClean="0">
+                <a:solidFill>
+                  <a:srgbClr val="008000"/>
+                </a:solidFill>
+              </a:rPr>
+              <a:t>request</a:t>
+            </a:r>
+            <a:r>
+              <a:rPr lang="ru-RU" sz="2400" dirty="0" smtClean="0">
+                <a:solidFill>
+                  <a:srgbClr val="008000"/>
+                </a:solidFill>
+              </a:rPr>
+              <a:t>"/&gt;</a:t>
+            </a:r>
+            <a:r>
+              <a:rPr lang="ru-RU" sz="2400" dirty="0" smtClean="0"/>
               <a:t> </a:t>
             </a:r>
-            <a:endParaRPr lang="en-US" sz="2400" smtClean="0"/>
+            <a:endParaRPr lang="en-US" sz="2400" dirty="0" smtClean="0"/>
           </a:p>
           <a:p>
             <a:pPr>
@@ -10081,10 +10193,26 @@
               </a:lnSpc>
             </a:pPr>
             <a:r>
-              <a:rPr lang="ru-RU" sz="2400" smtClean="0"/>
-              <a:t>В service() методе эквивалентный код сервлета будет выглядеть следующим образом: </a:t>
-            </a:r>
-            <a:endParaRPr lang="en-US" sz="2400" smtClean="0"/>
+              <a:rPr lang="ru-RU" sz="2400" dirty="0" smtClean="0"/>
+              <a:t>В </a:t>
+            </a:r>
+            <a:r>
+              <a:rPr lang="ru-RU" sz="2400" dirty="0" err="1" smtClean="0"/>
+              <a:t>service</a:t>
+            </a:r>
+            <a:r>
+              <a:rPr lang="ru-RU" sz="2400" dirty="0" smtClean="0"/>
+              <a:t>() методе эквивалентный код </a:t>
+            </a:r>
+            <a:r>
+              <a:rPr lang="ru-RU" sz="2400" dirty="0" err="1" smtClean="0"/>
+              <a:t>сервлета</a:t>
+            </a:r>
+            <a:r>
+              <a:rPr lang="ru-RU" sz="2400" dirty="0" smtClean="0"/>
+              <a:t> будет выглядеть следующим образом: </a:t>
+            </a:r>
+            <a:endParaRPr lang="en-US" sz="2400" dirty="0" smtClean="0"/>
           </a:p>
           <a:p>
             <a:pPr>
@@ -10094,83 +10222,7 @@
               <a:buFontTx/>
               <a:buNone/>
             </a:pPr>
-            <a:r>
-              <a:rPr lang="en-US" sz="2400" smtClean="0"/>
-              <a:t>	 </a:t>
-            </a:r>
-            <a:r>
-              <a:rPr lang="ru-RU" sz="2400" b="1" smtClean="0">
-                <a:solidFill>
-                  <a:srgbClr val="008000"/>
-                </a:solidFill>
-              </a:rPr>
-              <a:t>PersonBean</a:t>
-            </a:r>
-            <a:r>
-              <a:rPr lang="en-US" sz="2400" smtClean="0">
-                <a:solidFill>
-                  <a:srgbClr val="008000"/>
-                </a:solidFill>
-              </a:rPr>
-              <a:t> </a:t>
-            </a:r>
-            <a:r>
-              <a:rPr lang="ru-RU" sz="2400" smtClean="0">
-                <a:solidFill>
-                  <a:srgbClr val="008000"/>
-                </a:solidFill>
-              </a:rPr>
-              <a:t>user</a:t>
-            </a:r>
-            <a:r>
-              <a:rPr lang="en-US" sz="2400" smtClean="0">
-                <a:solidFill>
-                  <a:srgbClr val="008000"/>
-                </a:solidFill>
-              </a:rPr>
-              <a:t> </a:t>
-            </a:r>
-            <a:r>
-              <a:rPr lang="ru-RU" sz="2400" smtClean="0">
-                <a:solidFill>
-                  <a:srgbClr val="008000"/>
-                </a:solidFill>
-              </a:rPr>
-              <a:t>=</a:t>
-            </a:r>
-            <a:r>
-              <a:rPr lang="en-US" sz="2400" smtClean="0">
-                <a:solidFill>
-                  <a:srgbClr val="008000"/>
-                </a:solidFill>
-              </a:rPr>
-              <a:t> </a:t>
-            </a:r>
-            <a:r>
-              <a:rPr lang="ru-RU" sz="2400" smtClean="0">
-                <a:solidFill>
-                  <a:srgbClr val="008000"/>
-                </a:solidFill>
-              </a:rPr>
-              <a:t>(</a:t>
-            </a:r>
-            <a:r>
-              <a:rPr lang="ru-RU" sz="2400" b="1" smtClean="0">
-                <a:solidFill>
-                  <a:srgbClr val="008000"/>
-                </a:solidFill>
-              </a:rPr>
-              <a:t>PersonBean</a:t>
-            </a:r>
-            <a:r>
-              <a:rPr lang="ru-RU" sz="2400" smtClean="0">
-                <a:solidFill>
-                  <a:srgbClr val="008000"/>
-                </a:solidFill>
-              </a:rPr>
-              <a:t>)request.getAttribute("user"); If(user==null) { </a:t>
-            </a:r>
-            <a:endParaRPr lang="en-US" sz="2400" smtClean="0">
+            <a:endParaRPr lang="en-US" sz="2400" b="1" dirty="0" smtClean="0">
               <a:solidFill>
                 <a:srgbClr val="008000"/>
               </a:solidFill>
@@ -10185,54 +10237,110 @@
               <a:buNone/>
             </a:pPr>
             <a:r>
-              <a:rPr lang="en-US" sz="2400" smtClean="0">
+              <a:rPr lang="ru-RU" sz="2400" b="1" dirty="0" err="1" smtClean="0">
                 <a:solidFill>
                   <a:srgbClr val="008000"/>
                 </a:solidFill>
               </a:rPr>
-              <a:t>		</a:t>
-            </a:r>
-            <a:r>
-              <a:rPr lang="ru-RU" sz="2400" smtClean="0">
+              <a:t>PersonBean</a:t>
+            </a:r>
+            <a:r>
+              <a:rPr lang="en-US" sz="2400" dirty="0" smtClean="0">
                 <a:solidFill>
                   <a:srgbClr val="008000"/>
                 </a:solidFill>
               </a:rPr>
-              <a:t>user=new </a:t>
-            </a:r>
-            <a:r>
-              <a:rPr lang="ru-RU" sz="2400" b="1" smtClean="0">
+              <a:t> </a:t>
+            </a:r>
+            <a:r>
+              <a:rPr lang="ru-RU" sz="2400" dirty="0" err="1" smtClean="0">
                 <a:solidFill>
                   <a:srgbClr val="008000"/>
                 </a:solidFill>
               </a:rPr>
-              <a:t>UserBean</a:t>
-            </a:r>
-            <a:r>
-              <a:rPr lang="ru-RU" sz="2400" smtClean="0">
+              <a:t>user</a:t>
+            </a:r>
+            <a:r>
+              <a:rPr lang="en-US" sz="2400" dirty="0" smtClean="0">
                 <a:solidFill>
                   <a:srgbClr val="008000"/>
                 </a:solidFill>
               </a:rPr>
-              <a:t>(); </a:t>
-            </a:r>
-            <a:r>
-              <a:rPr lang="en-US" sz="2400" smtClean="0">
+              <a:t> </a:t>
+            </a:r>
+            <a:r>
+              <a:rPr lang="ru-RU" sz="2400" dirty="0" smtClean="0">
                 <a:solidFill>
                   <a:srgbClr val="008000"/>
                 </a:solidFill>
               </a:rPr>
-              <a:t>		</a:t>
-            </a:r>
-            <a:r>
-              <a:rPr lang="ru-RU" sz="2400" smtClean="0">
+              <a:t>=</a:t>
+            </a:r>
+            <a:r>
+              <a:rPr lang="en-US" sz="2400" dirty="0">
                 <a:solidFill>
                   <a:srgbClr val="008000"/>
                 </a:solidFill>
               </a:rPr>
-              <a:t>request.setAttribute("user",user); </a:t>
-            </a:r>
-            <a:endParaRPr lang="en-US" sz="2400" smtClean="0">
+              <a:t> </a:t>
+            </a:r>
+            <a:r>
+              <a:rPr lang="ru-RU" sz="2400" dirty="0" smtClean="0">
+                <a:solidFill>
+                  <a:srgbClr val="008000"/>
+                </a:solidFill>
+              </a:rPr>
+              <a:t>(</a:t>
+            </a:r>
+            <a:r>
+              <a:rPr lang="ru-RU" sz="2400" b="1" dirty="0" err="1" smtClean="0">
+                <a:solidFill>
+                  <a:srgbClr val="008000"/>
+                </a:solidFill>
+              </a:rPr>
+              <a:t>PersonBean</a:t>
+            </a:r>
+            <a:r>
+              <a:rPr lang="ru-RU" sz="2400" dirty="0" smtClean="0">
+                <a:solidFill>
+                  <a:srgbClr val="008000"/>
+                </a:solidFill>
+              </a:rPr>
+              <a:t>)</a:t>
+            </a:r>
+            <a:r>
+              <a:rPr lang="ru-RU" sz="2400" dirty="0" err="1" smtClean="0">
+                <a:solidFill>
+                  <a:srgbClr val="008000"/>
+                </a:solidFill>
+              </a:rPr>
+              <a:t>request.getAttribute</a:t>
+            </a:r>
+            <a:r>
+              <a:rPr lang="ru-RU" sz="2400" dirty="0" smtClean="0">
+                <a:solidFill>
+                  <a:srgbClr val="008000"/>
+                </a:solidFill>
+              </a:rPr>
+              <a:t>("</a:t>
+            </a:r>
+            <a:r>
+              <a:rPr lang="ru-RU" sz="2400" dirty="0" err="1" smtClean="0">
+                <a:solidFill>
+                  <a:srgbClr val="008000"/>
+                </a:solidFill>
+              </a:rPr>
+              <a:t>user</a:t>
+            </a:r>
+            <a:r>
+              <a:rPr lang="ru-RU" sz="2400" dirty="0" smtClean="0">
+                <a:solidFill>
+                  <a:srgbClr val="008000"/>
+                </a:solidFill>
+              </a:rPr>
+              <a:t>"); </a:t>
+            </a:r>
+            <a:endParaRPr lang="en-US" sz="2400" dirty="0" smtClean="0">
               <a:solidFill>
                 <a:srgbClr val="008000"/>
               </a:solidFill>
@@ -10247,21 +10355,206 @@
               <a:buNone/>
             </a:pPr>
             <a:r>
-              <a:rPr lang="en-US" sz="2400" smtClean="0">
+              <a:rPr lang="en-US" sz="2400" dirty="0" smtClean="0">
                 <a:solidFill>
                   <a:srgbClr val="008000"/>
                 </a:solidFill>
               </a:rPr>
-              <a:t>	</a:t>
-            </a:r>
-            <a:r>
-              <a:rPr lang="ru-RU" sz="2400" smtClean="0">
+              <a:t>i</a:t>
+            </a:r>
+            <a:r>
+              <a:rPr lang="ru-RU" sz="2400" dirty="0" smtClean="0">
                 <a:solidFill>
                   <a:srgbClr val="008000"/>
                 </a:solidFill>
               </a:rPr>
+              <a:t>f(</a:t>
+            </a:r>
+            <a:r>
+              <a:rPr lang="ru-RU" sz="2400" dirty="0" err="1" smtClean="0">
+                <a:solidFill>
+                  <a:srgbClr val="008000"/>
+                </a:solidFill>
+              </a:rPr>
+              <a:t>user</a:t>
+            </a:r>
+            <a:r>
+              <a:rPr lang="ru-RU" sz="2400" dirty="0" smtClean="0">
+                <a:solidFill>
+                  <a:srgbClr val="008000"/>
+                </a:solidFill>
+              </a:rPr>
+              <a:t>==</a:t>
+            </a:r>
+            <a:r>
+              <a:rPr lang="ru-RU" sz="2400" dirty="0" err="1" smtClean="0">
+                <a:solidFill>
+                  <a:srgbClr val="008000"/>
+                </a:solidFill>
+              </a:rPr>
+              <a:t>null</a:t>
+            </a:r>
+            <a:r>
+              <a:rPr lang="ru-RU" sz="2400" dirty="0" smtClean="0">
+                <a:solidFill>
+                  <a:srgbClr val="008000"/>
+                </a:solidFill>
+              </a:rPr>
+              <a:t>) { </a:t>
+            </a:r>
+            <a:endParaRPr lang="en-US" sz="2400" dirty="0" smtClean="0">
+              <a:solidFill>
+                <a:srgbClr val="008000"/>
+              </a:solidFill>
+            </a:endParaRPr>
+          </a:p>
+          <a:p>
+            <a:pPr>
+              <a:lnSpc>
+                <a:spcPct val="90000"/>
+              </a:lnSpc>
+              <a:buFontTx/>
+              <a:buNone/>
+            </a:pPr>
+            <a:r>
+              <a:rPr lang="en-US" sz="2400" dirty="0" smtClean="0">
+                <a:solidFill>
+                  <a:srgbClr val="008000"/>
+                </a:solidFill>
+              </a:rPr>
+              <a:t>		</a:t>
+            </a:r>
+            <a:r>
+              <a:rPr lang="ru-RU" sz="2400" dirty="0" err="1" smtClean="0">
+                <a:solidFill>
+                  <a:srgbClr val="008000"/>
+                </a:solidFill>
+              </a:rPr>
+              <a:t>user</a:t>
+            </a:r>
+            <a:r>
+              <a:rPr lang="ru-RU" sz="2400" dirty="0" smtClean="0">
+                <a:solidFill>
+                  <a:srgbClr val="008000"/>
+                </a:solidFill>
+              </a:rPr>
+              <a:t>=</a:t>
+            </a:r>
+            <a:r>
+              <a:rPr lang="ru-RU" sz="2400" dirty="0" err="1" smtClean="0">
+                <a:solidFill>
+                  <a:srgbClr val="008000"/>
+                </a:solidFill>
+              </a:rPr>
+              <a:t>new</a:t>
+            </a:r>
+            <a:r>
+              <a:rPr lang="ru-RU" sz="2400" dirty="0" smtClean="0">
+                <a:solidFill>
+                  <a:srgbClr val="008000"/>
+                </a:solidFill>
+              </a:rPr>
+              <a:t> </a:t>
+            </a:r>
+            <a:r>
+              <a:rPr lang="ru-RU" sz="2400" b="1" dirty="0" err="1" smtClean="0">
+                <a:solidFill>
+                  <a:srgbClr val="008000"/>
+                </a:solidFill>
+              </a:rPr>
+              <a:t>UserBean</a:t>
+            </a:r>
+            <a:r>
+              <a:rPr lang="ru-RU" sz="2400" dirty="0" smtClean="0">
+                <a:solidFill>
+                  <a:srgbClr val="008000"/>
+                </a:solidFill>
+              </a:rPr>
+              <a:t>(); </a:t>
+            </a:r>
+            <a:r>
+              <a:rPr lang="en-US" sz="2400" dirty="0" smtClean="0">
+                <a:solidFill>
+                  <a:srgbClr val="008000"/>
+                </a:solidFill>
+              </a:rPr>
+              <a:t>		</a:t>
+            </a:r>
+            <a:r>
+              <a:rPr lang="ru-RU" sz="2400" dirty="0" err="1" smtClean="0">
+                <a:solidFill>
+                  <a:srgbClr val="008000"/>
+                </a:solidFill>
+              </a:rPr>
+              <a:t>request.setAttribute</a:t>
+            </a:r>
+            <a:r>
+              <a:rPr lang="ru-RU" sz="2400" dirty="0" smtClean="0">
+                <a:solidFill>
+                  <a:srgbClr val="008000"/>
+                </a:solidFill>
+              </a:rPr>
+              <a:t>("</a:t>
+            </a:r>
+            <a:r>
+              <a:rPr lang="ru-RU" sz="2400" dirty="0" err="1" smtClean="0">
+                <a:solidFill>
+                  <a:srgbClr val="008000"/>
+                </a:solidFill>
+              </a:rPr>
+              <a:t>user</a:t>
+            </a:r>
+            <a:r>
+              <a:rPr lang="ru-RU" sz="2400" dirty="0" smtClean="0">
+                <a:solidFill>
+                  <a:srgbClr val="008000"/>
+                </a:solidFill>
+              </a:rPr>
+              <a:t>",</a:t>
+            </a:r>
+            <a:r>
+              <a:rPr lang="ru-RU" sz="2400" dirty="0" err="1" smtClean="0">
+                <a:solidFill>
+                  <a:srgbClr val="008000"/>
+                </a:solidFill>
+              </a:rPr>
+              <a:t>user</a:t>
+            </a:r>
+            <a:r>
+              <a:rPr lang="ru-RU" sz="2400" dirty="0" smtClean="0">
+                <a:solidFill>
+                  <a:srgbClr val="008000"/>
+                </a:solidFill>
+              </a:rPr>
+              <a:t>); </a:t>
+            </a:r>
+            <a:endParaRPr lang="en-US" sz="2400" dirty="0" smtClean="0">
+              <a:solidFill>
+                <a:srgbClr val="008000"/>
+              </a:solidFill>
+            </a:endParaRPr>
+          </a:p>
+          <a:p>
+            <a:pPr>
+              <a:lnSpc>
+                <a:spcPct val="90000"/>
+              </a:lnSpc>
+              <a:buFontTx/>
+              <a:buNone/>
+            </a:pPr>
+            <a:r>
+              <a:rPr lang="ru-RU" sz="2400" dirty="0" smtClean="0">
+                <a:solidFill>
+                  <a:srgbClr val="008000"/>
+                </a:solidFill>
+              </a:rPr>
               <a:t>} </a:t>
             </a:r>
+            <a:endParaRPr lang="ru-RU" sz="2400" dirty="0" smtClean="0">
+              <a:solidFill>
+                <a:srgbClr val="008000"/>
+              </a:solidFill>
+            </a:endParaRPr>
           </a:p>
         </p:txBody>
       </p:sp>
@@ -10818,9 +11111,14 @@
           <a:lstStyle/>
           <a:p>
             <a:r>
-              <a:rPr lang="ru-RU" b="1" smtClean="0"/>
-              <a:t>Действие jsp:setProperty</a:t>
-            </a:r>
+              <a:rPr lang="ru-RU" b="1" dirty="0" smtClean="0"/>
+              <a:t>Действие </a:t>
+            </a:r>
+            <a:r>
+              <a:rPr lang="ru-RU" b="1" dirty="0" err="1" smtClean="0"/>
+              <a:t>jsp:setProperty</a:t>
+            </a:r>
+            <a:endParaRPr lang="ru-RU" b="1" dirty="0" smtClean="0"/>
           </a:p>
         </p:txBody>
       </p:sp>
@@ -10852,11 +11150,11 @@
               <a:buNone/>
             </a:pPr>
             <a:r>
-              <a:rPr lang="ru-RU" sz="2400" smtClean="0"/>
+              <a:rPr lang="ru-RU" sz="2400" dirty="0" smtClean="0"/>
               <a:t>Параметры</a:t>
             </a:r>
             <a:r>
-              <a:rPr lang="en-US" sz="2400" smtClean="0"/>
+              <a:rPr lang="en-US" sz="2400" dirty="0" smtClean="0"/>
               <a:t>:</a:t>
             </a:r>
           </a:p>
@@ -10867,16 +11165,36 @@
               </a:lnSpc>
             </a:pPr>
             <a:r>
-              <a:rPr lang="ru-RU" sz="2400" smtClean="0"/>
-              <a:t>name </a:t>
-            </a:r>
-            <a:r>
-              <a:rPr lang="en-US" sz="2400" smtClean="0"/>
+              <a:rPr lang="ru-RU" sz="2400" dirty="0" err="1" smtClean="0">
+                <a:solidFill>
+                  <a:srgbClr val="00B050"/>
+                </a:solidFill>
+              </a:rPr>
+              <a:t>name</a:t>
+            </a:r>
+            <a:r>
+              <a:rPr lang="ru-RU" sz="2400" dirty="0" smtClean="0">
+                <a:solidFill>
+                  <a:srgbClr val="00B050"/>
+                </a:solidFill>
+              </a:rPr>
+              <a:t> </a:t>
+            </a:r>
+            <a:r>
+              <a:rPr lang="en-US" sz="2400" dirty="0" smtClean="0"/>
               <a:t>–</a:t>
             </a:r>
             <a:r>
-              <a:rPr lang="ru-RU" sz="2400" smtClean="0"/>
-              <a:t> обязательный атрибут служит для задания bean, свойства которого будут устанавливаться </a:t>
+              <a:rPr lang="ru-RU" sz="2400" dirty="0" smtClean="0"/>
+              <a:t> обязательный атрибут служит для задания </a:t>
+            </a:r>
+            <a:r>
+              <a:rPr lang="ru-RU" sz="2400" dirty="0" err="1" smtClean="0"/>
+              <a:t>bean</a:t>
+            </a:r>
+            <a:r>
+              <a:rPr lang="ru-RU" sz="2400" dirty="0" smtClean="0"/>
+              <a:t>, свойства которого будут устанавливаться </a:t>
             </a:r>
           </a:p>
           <a:p>
@@ -10886,8 +11204,24 @@
               </a:lnSpc>
             </a:pPr>
             <a:r>
-              <a:rPr lang="ru-RU" sz="2400" smtClean="0"/>
-              <a:t>property - обязательный атрибут устанавливает свойство, которое вы хотите установить </a:t>
+              <a:rPr lang="ru-RU" sz="2400" dirty="0" err="1" smtClean="0">
+                <a:solidFill>
+                  <a:srgbClr val="00B050"/>
+                </a:solidFill>
+              </a:rPr>
+              <a:t>property</a:t>
+            </a:r>
+            <a:r>
+              <a:rPr lang="ru-RU" sz="2400" dirty="0" smtClean="0">
+                <a:solidFill>
+                  <a:srgbClr val="00B050"/>
+                </a:solidFill>
+              </a:rPr>
+              <a:t> </a:t>
+            </a:r>
+            <a:r>
+              <a:rPr lang="ru-RU" sz="2400" dirty="0" smtClean="0"/>
+              <a:t>- обязательный атрибут устанавливает свойство, которое вы хотите установить </a:t>
             </a:r>
           </a:p>
           <a:p>
@@ -10897,18 +11231,34 @@
               </a:lnSpc>
             </a:pPr>
             <a:r>
-              <a:rPr lang="ru-RU" sz="2400" smtClean="0"/>
-              <a:t>value - необязательный атрибут устанавливает значение свойств (если не указан = </a:t>
-            </a:r>
-            <a:r>
-              <a:rPr lang="en-US" sz="2400" smtClean="0"/>
+              <a:rPr lang="ru-RU" sz="2400" dirty="0" err="1" smtClean="0">
+                <a:solidFill>
+                  <a:srgbClr val="00B050"/>
+                </a:solidFill>
+              </a:rPr>
+              <a:t>value</a:t>
+            </a:r>
+            <a:r>
+              <a:rPr lang="ru-RU" sz="2400" dirty="0" smtClean="0">
+                <a:solidFill>
+                  <a:srgbClr val="00B050"/>
+                </a:solidFill>
+              </a:rPr>
+              <a:t> </a:t>
+            </a:r>
+            <a:r>
+              <a:rPr lang="ru-RU" sz="2400" dirty="0" smtClean="0"/>
+              <a:t>- необязательный атрибут устанавливает значение свойств (если не указан = </a:t>
+            </a:r>
+            <a:r>
+              <a:rPr lang="en-US" sz="2400" dirty="0" smtClean="0"/>
               <a:t>NULL</a:t>
             </a:r>
             <a:r>
-              <a:rPr lang="ru-RU" sz="2400" smtClean="0"/>
+              <a:rPr lang="ru-RU" sz="2400" dirty="0" smtClean="0"/>
               <a:t>)</a:t>
             </a:r>
-            <a:endParaRPr lang="en-US" sz="2400" smtClean="0"/>
+            <a:endParaRPr lang="en-US" sz="2400" dirty="0" smtClean="0"/>
           </a:p>
           <a:p>
             <a:pPr>
@@ -10917,15 +11267,35 @@
               </a:lnSpc>
             </a:pPr>
             <a:r>
-              <a:rPr lang="ru-RU" sz="2400" smtClean="0"/>
-              <a:t>param </a:t>
-            </a:r>
-            <a:r>
-              <a:rPr lang="en-US" sz="2400" smtClean="0"/>
-              <a:t> - </a:t>
-            </a:r>
-            <a:r>
-              <a:rPr lang="ru-RU" sz="2400" smtClean="0"/>
+              <a:rPr lang="ru-RU" sz="2400" dirty="0" err="1" smtClean="0">
+                <a:solidFill>
+                  <a:srgbClr val="00B050"/>
+                </a:solidFill>
+              </a:rPr>
+              <a:t>param</a:t>
+            </a:r>
+            <a:r>
+              <a:rPr lang="ru-RU" sz="2400" dirty="0" smtClean="0">
+                <a:solidFill>
+                  <a:srgbClr val="00B050"/>
+                </a:solidFill>
+              </a:rPr>
+              <a:t> </a:t>
+            </a:r>
+            <a:r>
+              <a:rPr lang="en-US" sz="2400" dirty="0" smtClean="0">
+                <a:solidFill>
+                  <a:srgbClr val="00B050"/>
+                </a:solidFill>
+              </a:rPr>
+              <a:t> </a:t>
+            </a:r>
+            <a:r>
+              <a:rPr lang="en-US" sz="2400" dirty="0" smtClean="0"/>
+              <a:t>- </a:t>
+            </a:r>
+            <a:r>
+              <a:rPr lang="ru-RU" sz="2400" dirty="0" smtClean="0"/>
               <a:t>Этот необязательный атрибут устанавливает параметр запроса, используемый для получения свойства </a:t>
             </a:r>
           </a:p>

--- a/Lesson19/lecture-jsp.pptx
+++ b/Lesson19/lecture-jsp.pptx
@@ -10550,11 +10550,6 @@
               </a:rPr>
               <a:t>} </a:t>
             </a:r>
-            <a:endParaRPr lang="ru-RU" sz="2400" dirty="0" smtClean="0">
-              <a:solidFill>
-                <a:srgbClr val="008000"/>
-              </a:solidFill>
-            </a:endParaRPr>
           </a:p>
         </p:txBody>
       </p:sp>
@@ -13592,7 +13587,7 @@
               <a:buNone/>
             </a:pPr>
             <a:r>
-              <a:rPr lang="ru-RU" smtClean="0">
+              <a:rPr lang="ru-RU" dirty="0" smtClean="0">
                 <a:solidFill>
                   <a:srgbClr val="008000"/>
                 </a:solidFill>
@@ -13600,14 +13595,14 @@
               <a:t>Поприветствуем товарища ${user.name}</a:t>
             </a:r>
             <a:br>
-              <a:rPr lang="ru-RU" smtClean="0">
+              <a:rPr lang="ru-RU" dirty="0" smtClean="0">
                 <a:solidFill>
                   <a:srgbClr val="008000"/>
                 </a:solidFill>
               </a:rPr>
             </a:br>
             <a:r>
-              <a:rPr lang="ru-RU" smtClean="0">
+              <a:rPr lang="ru-RU" dirty="0" smtClean="0">
                 <a:solidFill>
                   <a:srgbClr val="008000"/>
                 </a:solidFill>
@@ -13615,7 +13610,7 @@
               <a:t>из солнечного ${</a:t>
             </a:r>
             <a:r>
-              <a:rPr lang="ru-RU" b="1" smtClean="0">
+              <a:rPr lang="ru-RU" b="1" dirty="0" err="1" smtClean="0">
                 <a:solidFill>
                   <a:srgbClr val="FF0000"/>
                 </a:solidFill>
@@ -13623,7 +13618,7 @@
               <a:t>user</a:t>
             </a:r>
             <a:r>
-              <a:rPr lang="ru-RU" smtClean="0">
+              <a:rPr lang="ru-RU" dirty="0" err="1" smtClean="0">
                 <a:solidFill>
                   <a:srgbClr val="008000"/>
                 </a:solidFill>
@@ -13631,18 +13626,18 @@
               <a:t>.</a:t>
             </a:r>
             <a:r>
-              <a:rPr lang="ru-RU" b="1" smtClean="0"/>
+              <a:rPr lang="ru-RU" b="1" dirty="0" err="1" smtClean="0"/>
               <a:t>country</a:t>
             </a:r>
             <a:r>
-              <a:rPr lang="ru-RU" smtClean="0">
+              <a:rPr lang="ru-RU" dirty="0" smtClean="0">
                 <a:solidFill>
                   <a:srgbClr val="008000"/>
                 </a:solidFill>
               </a:rPr>
               <a:t>}! </a:t>
             </a:r>
-            <a:endParaRPr lang="en-US" smtClean="0">
+            <a:endParaRPr lang="en-US" dirty="0" smtClean="0">
               <a:solidFill>
                 <a:srgbClr val="008000"/>
               </a:solidFill>
@@ -13657,30 +13652,78 @@
               <a:buNone/>
             </a:pPr>
             <a:r>
-              <a:rPr lang="ru-RU" smtClean="0"/>
-              <a:t>Здесь user – объект JavaBeans, его можно создать на JSP странице, используя тег </a:t>
-            </a:r>
-            <a:r>
-              <a:rPr lang="ru-RU" i="1" smtClean="0"/>
+              <a:rPr lang="ru-RU" dirty="0" smtClean="0"/>
+              <a:t>Здесь </a:t>
+            </a:r>
+            <a:r>
+              <a:rPr lang="ru-RU" dirty="0" err="1" smtClean="0"/>
+              <a:t>user</a:t>
+            </a:r>
+            <a:r>
+              <a:rPr lang="ru-RU" dirty="0" smtClean="0"/>
+              <a:t> – объект </a:t>
+            </a:r>
+            <a:r>
+              <a:rPr lang="ru-RU" dirty="0" err="1" smtClean="0"/>
+              <a:t>JavaBeans</a:t>
+            </a:r>
+            <a:r>
+              <a:rPr lang="ru-RU" dirty="0" smtClean="0"/>
+              <a:t>, его можно создать на JSP странице, используя тег </a:t>
+            </a:r>
+            <a:r>
+              <a:rPr lang="ru-RU" i="1" dirty="0" err="1" smtClean="0"/>
               <a:t>jsp:useBean</a:t>
             </a:r>
             <a:r>
-              <a:rPr lang="ru-RU" smtClean="0"/>
+              <a:rPr lang="ru-RU" dirty="0" smtClean="0"/>
               <a:t>:</a:t>
             </a:r>
             <a:br>
-              <a:rPr lang="ru-RU" smtClean="0"/>
+              <a:rPr lang="ru-RU" dirty="0" smtClean="0"/>
             </a:br>
             <a:r>
-              <a:rPr lang="ru-RU" smtClean="0">
-                <a:solidFill>
-                  <a:srgbClr val="008000"/>
-                </a:solidFill>
-              </a:rPr>
-              <a:t>&lt;jsp:useBean id="</a:t>
-            </a:r>
-            <a:r>
-              <a:rPr lang="ru-RU" smtClean="0">
+              <a:rPr lang="ru-RU" dirty="0" smtClean="0">
+                <a:solidFill>
+                  <a:srgbClr val="008000"/>
+                </a:solidFill>
+              </a:rPr>
+              <a:t>&lt;</a:t>
+            </a:r>
+            <a:r>
+              <a:rPr lang="ru-RU" dirty="0" err="1" smtClean="0">
+                <a:solidFill>
+                  <a:srgbClr val="008000"/>
+                </a:solidFill>
+              </a:rPr>
+              <a:t>jsp:useBean</a:t>
+            </a:r>
+            <a:r>
+              <a:rPr lang="ru-RU" dirty="0" smtClean="0">
+                <a:solidFill>
+                  <a:srgbClr val="008000"/>
+                </a:solidFill>
+              </a:rPr>
+              <a:t> </a:t>
+            </a:r>
+            <a:r>
+              <a:rPr lang="ru-RU" dirty="0" err="1" smtClean="0">
+                <a:solidFill>
+                  <a:srgbClr val="008000"/>
+                </a:solidFill>
+              </a:rPr>
+              <a:t>id</a:t>
+            </a:r>
+            <a:r>
+              <a:rPr lang="ru-RU" dirty="0" smtClean="0">
+                <a:solidFill>
+                  <a:srgbClr val="008000"/>
+                </a:solidFill>
+              </a:rPr>
+              <a:t>="</a:t>
+            </a:r>
+            <a:r>
+              <a:rPr lang="ru-RU" dirty="0" err="1" smtClean="0">
                 <a:solidFill>
                   <a:srgbClr val="FF0000"/>
                 </a:solidFill>
@@ -13688,18 +13731,82 @@
               <a:t>user</a:t>
             </a:r>
             <a:r>
-              <a:rPr lang="ru-RU" smtClean="0">
-                <a:solidFill>
-                  <a:srgbClr val="008000"/>
-                </a:solidFill>
-              </a:rPr>
-              <a:t>" class="ru.zahodi-ka.examples.user"/&gt;</a:t>
-            </a:r>
-            <a:r>
-              <a:rPr lang="ru-RU" smtClean="0"/>
+              <a:rPr lang="ru-RU" dirty="0" smtClean="0">
+                <a:solidFill>
+                  <a:srgbClr val="008000"/>
+                </a:solidFill>
+              </a:rPr>
+              <a:t>" </a:t>
+            </a:r>
+            <a:r>
+              <a:rPr lang="ru-RU" dirty="0" err="1" smtClean="0">
+                <a:solidFill>
+                  <a:srgbClr val="008000"/>
+                </a:solidFill>
+              </a:rPr>
+              <a:t>class</a:t>
+            </a:r>
+            <a:r>
+              <a:rPr lang="ru-RU" dirty="0" smtClean="0">
+                <a:solidFill>
+                  <a:srgbClr val="008000"/>
+                </a:solidFill>
+              </a:rPr>
+              <a:t>="u</a:t>
+            </a:r>
+            <a:r>
+              <a:rPr lang="en-US" dirty="0" smtClean="0">
+                <a:solidFill>
+                  <a:srgbClr val="008000"/>
+                </a:solidFill>
+              </a:rPr>
+              <a:t>a</a:t>
+            </a:r>
+            <a:r>
+              <a:rPr lang="ru-RU" dirty="0" smtClean="0">
+                <a:solidFill>
+                  <a:srgbClr val="008000"/>
+                </a:solidFill>
+              </a:rPr>
+              <a:t>.</a:t>
+            </a:r>
+            <a:r>
+              <a:rPr lang="en-US" dirty="0" err="1" smtClean="0">
+                <a:solidFill>
+                  <a:srgbClr val="008000"/>
+                </a:solidFill>
+              </a:rPr>
+              <a:t>itstep</a:t>
+            </a:r>
+            <a:r>
+              <a:rPr lang="ru-RU" dirty="0" smtClean="0">
+                <a:solidFill>
+                  <a:srgbClr val="008000"/>
+                </a:solidFill>
+              </a:rPr>
+              <a:t>.</a:t>
+            </a:r>
+            <a:r>
+              <a:rPr lang="ru-RU" dirty="0" err="1" smtClean="0">
+                <a:solidFill>
+                  <a:srgbClr val="008000"/>
+                </a:solidFill>
+              </a:rPr>
+              <a:t>examples.user</a:t>
+            </a:r>
+            <a:r>
+              <a:rPr lang="ru-RU" dirty="0" smtClean="0">
+                <a:solidFill>
+                  <a:srgbClr val="008000"/>
+                </a:solidFill>
+              </a:rPr>
+              <a:t>"/&gt;</a:t>
+            </a:r>
+            <a:r>
+              <a:rPr lang="ru-RU" dirty="0" smtClean="0"/>
               <a:t> </a:t>
             </a:r>
-            <a:endParaRPr lang="en-US" smtClean="0"/>
+            <a:endParaRPr lang="en-US" dirty="0" smtClean="0"/>
           </a:p>
           <a:p>
             <a:pPr>
@@ -13710,25 +13817,70 @@
               <a:buNone/>
             </a:pPr>
             <a:r>
-              <a:rPr lang="en-US" b="1" smtClean="0"/>
+              <a:rPr lang="en-US" b="1" dirty="0" smtClean="0"/>
               <a:t>country</a:t>
             </a:r>
             <a:r>
-              <a:rPr lang="en-US" smtClean="0"/>
+              <a:rPr lang="en-US" dirty="0" smtClean="0"/>
               <a:t> – </a:t>
             </a:r>
             <a:r>
-              <a:rPr lang="ru-RU" smtClean="0"/>
+              <a:rPr lang="ru-RU" dirty="0" smtClean="0"/>
               <a:t>свойство объекта </a:t>
             </a:r>
             <a:r>
-              <a:rPr lang="ru-RU" smtClean="0">
-                <a:solidFill>
-                  <a:srgbClr val="008000"/>
-                </a:solidFill>
-              </a:rPr>
-              <a:t>ru.zahodi-ka.examples.user</a:t>
-            </a:r>
+              <a:rPr lang="ru-RU" dirty="0">
+                <a:solidFill>
+                  <a:srgbClr val="008000"/>
+                </a:solidFill>
+              </a:rPr>
+              <a:t>u</a:t>
+            </a:r>
+            <a:r>
+              <a:rPr lang="en-US" dirty="0">
+                <a:solidFill>
+                  <a:srgbClr val="008000"/>
+                </a:solidFill>
+              </a:rPr>
+              <a:t>a</a:t>
+            </a:r>
+            <a:r>
+              <a:rPr lang="ru-RU" dirty="0">
+                <a:solidFill>
+                  <a:srgbClr val="008000"/>
+                </a:solidFill>
+              </a:rPr>
+              <a:t>.</a:t>
+            </a:r>
+            <a:r>
+              <a:rPr lang="en-US" dirty="0" err="1">
+                <a:solidFill>
+                  <a:srgbClr val="008000"/>
+                </a:solidFill>
+              </a:rPr>
+              <a:t>itstep</a:t>
+            </a:r>
+            <a:r>
+              <a:rPr lang="ru-RU" dirty="0">
+                <a:solidFill>
+                  <a:srgbClr val="008000"/>
+                </a:solidFill>
+              </a:rPr>
+              <a:t>.</a:t>
+            </a:r>
+            <a:r>
+              <a:rPr lang="ru-RU" dirty="0" err="1">
+                <a:solidFill>
+                  <a:srgbClr val="008000"/>
+                </a:solidFill>
+              </a:rPr>
+              <a:t>examples.user</a:t>
+            </a:r>
+            <a:endParaRPr lang="ru-RU" dirty="0" smtClean="0">
+              <a:solidFill>
+                <a:srgbClr val="008000"/>
+              </a:solidFill>
+            </a:endParaRPr>
           </a:p>
         </p:txBody>
       </p:sp>
@@ -15992,7 +16144,7 @@
         </p:nvGraphicFramePr>
         <p:xfrm>
           <a:off x="457200" y="1600200"/>
-          <a:ext cx="8305800" cy="4343400"/>
+          <a:ext cx="8305800" cy="4343402"/>
         </p:xfrm>
         <a:graphic>
           <a:graphicData uri="http://schemas.openxmlformats.org/drawingml/2006/table">
